--- a/result/새 Microsoft PowerPoint 프레젠테이션.pptx
+++ b/result/새 Microsoft PowerPoint 프레젠테이션.pptx
@@ -5,7 +5,7 @@
     <p:sldMasterId id="2147483648" r:id="rId1"/>
   </p:sldMasterIdLst>
   <p:notesMasterIdLst>
-    <p:notesMasterId r:id="rId33"/>
+    <p:notesMasterId r:id="rId37"/>
   </p:notesMasterIdLst>
   <p:sldIdLst>
     <p:sldId id="256" r:id="rId2"/>
@@ -35,10 +35,14 @@
     <p:sldId id="280" r:id="rId26"/>
     <p:sldId id="281" r:id="rId27"/>
     <p:sldId id="282" r:id="rId28"/>
-    <p:sldId id="283" r:id="rId29"/>
-    <p:sldId id="284" r:id="rId30"/>
-    <p:sldId id="285" r:id="rId31"/>
-    <p:sldId id="286" r:id="rId32"/>
+    <p:sldId id="288" r:id="rId29"/>
+    <p:sldId id="283" r:id="rId30"/>
+    <p:sldId id="284" r:id="rId31"/>
+    <p:sldId id="289" r:id="rId32"/>
+    <p:sldId id="285" r:id="rId33"/>
+    <p:sldId id="286" r:id="rId34"/>
+    <p:sldId id="287" r:id="rId35"/>
+    <p:sldId id="290" r:id="rId36"/>
   </p:sldIdLst>
   <p:sldSz cx="12192000" cy="6858000"/>
   <p:notesSz cx="6858000" cy="9144000"/>
@@ -227,7 +231,7 @@
           <a:p>
             <a:fld id="{035AFFE7-E838-414E-AE2E-D5EEE989CA11}" type="datetimeFigureOut">
               <a:rPr lang="ko-KR" altLang="en-US" smtClean="0"/>
-              <a:t>2019-08-26</a:t>
+              <a:t>2019-08-29</a:t>
             </a:fld>
             <a:endParaRPr lang="ko-KR" altLang="en-US"/>
           </a:p>
@@ -604,6 +608,114 @@
 </p:notes>
 </file>
 
+<file path=ppt/notesSlides/notesSlide10.xml><?xml version="1.0" encoding="utf-8"?>
+<p:notes xmlns:a="http://schemas.openxmlformats.org/drawingml/2006/main" xmlns:r="http://schemas.openxmlformats.org/officeDocument/2006/relationships" xmlns:p="http://schemas.openxmlformats.org/presentationml/2006/main">
+  <p:cSld>
+    <p:spTree>
+      <p:nvGrpSpPr>
+        <p:cNvPr id="1" name=""/>
+        <p:cNvGrpSpPr/>
+        <p:nvPr/>
+      </p:nvGrpSpPr>
+      <p:grpSpPr>
+        <a:xfrm>
+          <a:off x="0" y="0"/>
+          <a:ext cx="0" cy="0"/>
+          <a:chOff x="0" y="0"/>
+          <a:chExt cx="0" cy="0"/>
+        </a:xfrm>
+      </p:grpSpPr>
+      <p:sp>
+        <p:nvSpPr>
+          <p:cNvPr id="2" name="슬라이드 이미지 개체 틀 1"/>
+          <p:cNvSpPr>
+            <a:spLocks noGrp="1" noRot="1" noChangeAspect="1"/>
+          </p:cNvSpPr>
+          <p:nvPr>
+            <p:ph type="sldImg"/>
+          </p:nvPr>
+        </p:nvSpPr>
+        <p:spPr/>
+      </p:sp>
+      <p:sp>
+        <p:nvSpPr>
+          <p:cNvPr id="3" name="슬라이드 노트 개체 틀 2"/>
+          <p:cNvSpPr>
+            <a:spLocks noGrp="1"/>
+          </p:cNvSpPr>
+          <p:nvPr>
+            <p:ph type="body" idx="1"/>
+          </p:nvPr>
+        </p:nvSpPr>
+        <p:spPr/>
+        <p:txBody>
+          <a:bodyPr/>
+          <a:lstStyle/>
+          <a:p>
+            <a:pPr marL="0" marR="0" lvl="0" indent="0" algn="l" defTabSz="914400" rtl="0" eaLnBrk="1" fontAlgn="auto" latinLnBrk="1" hangingPunct="1">
+              <a:lnSpc>
+                <a:spcPct val="100000"/>
+              </a:lnSpc>
+              <a:spcBef>
+                <a:spcPts val="0"/>
+              </a:spcBef>
+              <a:spcAft>
+                <a:spcPts val="0"/>
+              </a:spcAft>
+              <a:buClrTx/>
+              <a:buSzTx/>
+              <a:buFontTx/>
+              <a:buNone/>
+              <a:tabLst/>
+              <a:defRPr/>
+            </a:pPr>
+            <a:r>
+              <a:rPr lang="en-US" altLang="ko-KR" dirty="0"/>
+              <a:t>batch size = 10, epoch = 20</a:t>
+            </a:r>
+            <a:endParaRPr lang="ko-KR" altLang="en-US" dirty="0"/>
+          </a:p>
+          <a:p>
+            <a:endParaRPr lang="ko-KR" altLang="en-US" dirty="0"/>
+          </a:p>
+        </p:txBody>
+      </p:sp>
+      <p:sp>
+        <p:nvSpPr>
+          <p:cNvPr id="4" name="슬라이드 번호 개체 틀 3"/>
+          <p:cNvSpPr>
+            <a:spLocks noGrp="1"/>
+          </p:cNvSpPr>
+          <p:nvPr>
+            <p:ph type="sldNum" sz="quarter" idx="5"/>
+          </p:nvPr>
+        </p:nvSpPr>
+        <p:spPr/>
+        <p:txBody>
+          <a:bodyPr/>
+          <a:lstStyle/>
+          <a:p>
+            <a:fld id="{1150E63E-56E4-4AA3-89A2-63625DD18675}" type="slidenum">
+              <a:rPr lang="ko-KR" altLang="en-US" smtClean="0"/>
+              <a:t>31</a:t>
+            </a:fld>
+            <a:endParaRPr lang="ko-KR" altLang="en-US"/>
+          </a:p>
+        </p:txBody>
+      </p:sp>
+    </p:spTree>
+    <p:extLst>
+      <p:ext uri="{BB962C8B-B14F-4D97-AF65-F5344CB8AC3E}">
+        <p14:creationId xmlns:p14="http://schemas.microsoft.com/office/powerpoint/2010/main" val="2304326385"/>
+      </p:ext>
+    </p:extLst>
+  </p:cSld>
+  <p:clrMapOvr>
+    <a:masterClrMapping/>
+  </p:clrMapOvr>
+</p:notes>
+</file>
+
 <file path=ppt/notesSlides/notesSlide2.xml><?xml version="1.0" encoding="utf-8"?>
 <p:notes xmlns:a="http://schemas.openxmlformats.org/drawingml/2006/main" xmlns:r="http://schemas.openxmlformats.org/officeDocument/2006/relationships" xmlns:p="http://schemas.openxmlformats.org/presentationml/2006/main">
   <p:cSld>
@@ -1314,6 +1426,94 @@
     <p:extLst>
       <p:ext uri="{BB962C8B-B14F-4D97-AF65-F5344CB8AC3E}">
         <p14:creationId xmlns:p14="http://schemas.microsoft.com/office/powerpoint/2010/main" val="2634689824"/>
+      </p:ext>
+    </p:extLst>
+  </p:cSld>
+  <p:clrMapOvr>
+    <a:masterClrMapping/>
+  </p:clrMapOvr>
+</p:notes>
+</file>
+
+<file path=ppt/notesSlides/notesSlide9.xml><?xml version="1.0" encoding="utf-8"?>
+<p:notes xmlns:a="http://schemas.openxmlformats.org/drawingml/2006/main" xmlns:r="http://schemas.openxmlformats.org/officeDocument/2006/relationships" xmlns:p="http://schemas.openxmlformats.org/presentationml/2006/main">
+  <p:cSld>
+    <p:spTree>
+      <p:nvGrpSpPr>
+        <p:cNvPr id="1" name=""/>
+        <p:cNvGrpSpPr/>
+        <p:nvPr/>
+      </p:nvGrpSpPr>
+      <p:grpSpPr>
+        <a:xfrm>
+          <a:off x="0" y="0"/>
+          <a:ext cx="0" cy="0"/>
+          <a:chOff x="0" y="0"/>
+          <a:chExt cx="0" cy="0"/>
+        </a:xfrm>
+      </p:grpSpPr>
+      <p:sp>
+        <p:nvSpPr>
+          <p:cNvPr id="2" name="슬라이드 이미지 개체 틀 1"/>
+          <p:cNvSpPr>
+            <a:spLocks noGrp="1" noRot="1" noChangeAspect="1"/>
+          </p:cNvSpPr>
+          <p:nvPr>
+            <p:ph type="sldImg"/>
+          </p:nvPr>
+        </p:nvSpPr>
+        <p:spPr/>
+      </p:sp>
+      <p:sp>
+        <p:nvSpPr>
+          <p:cNvPr id="3" name="슬라이드 노트 개체 틀 2"/>
+          <p:cNvSpPr>
+            <a:spLocks noGrp="1"/>
+          </p:cNvSpPr>
+          <p:nvPr>
+            <p:ph type="body" idx="1"/>
+          </p:nvPr>
+        </p:nvSpPr>
+        <p:spPr/>
+        <p:txBody>
+          <a:bodyPr/>
+          <a:lstStyle/>
+          <a:p>
+            <a:r>
+              <a:rPr lang="en-US" altLang="ko-KR" dirty="0"/>
+              <a:t>batch size = 10, epoch = 20</a:t>
+            </a:r>
+            <a:endParaRPr lang="ko-KR" altLang="en-US" dirty="0"/>
+          </a:p>
+        </p:txBody>
+      </p:sp>
+      <p:sp>
+        <p:nvSpPr>
+          <p:cNvPr id="4" name="슬라이드 번호 개체 틀 3"/>
+          <p:cNvSpPr>
+            <a:spLocks noGrp="1"/>
+          </p:cNvSpPr>
+          <p:nvPr>
+            <p:ph type="sldNum" sz="quarter" idx="5"/>
+          </p:nvPr>
+        </p:nvSpPr>
+        <p:spPr/>
+        <p:txBody>
+          <a:bodyPr/>
+          <a:lstStyle/>
+          <a:p>
+            <a:fld id="{1150E63E-56E4-4AA3-89A2-63625DD18675}" type="slidenum">
+              <a:rPr lang="ko-KR" altLang="en-US" smtClean="0"/>
+              <a:t>28</a:t>
+            </a:fld>
+            <a:endParaRPr lang="ko-KR" altLang="en-US"/>
+          </a:p>
+        </p:txBody>
+      </p:sp>
+    </p:spTree>
+    <p:extLst>
+      <p:ext uri="{BB962C8B-B14F-4D97-AF65-F5344CB8AC3E}">
+        <p14:creationId xmlns:p14="http://schemas.microsoft.com/office/powerpoint/2010/main" val="3863800282"/>
       </p:ext>
     </p:extLst>
   </p:cSld>
@@ -1470,7 +1670,7 @@
           <a:p>
             <a:fld id="{0F252528-EBB0-409C-BAD2-6E0AD2C38DAD}" type="datetimeFigureOut">
               <a:rPr lang="ko-KR" altLang="en-US" smtClean="0"/>
-              <a:t>2019-08-26</a:t>
+              <a:t>2019-08-29</a:t>
             </a:fld>
             <a:endParaRPr lang="ko-KR" altLang="en-US"/>
           </a:p>
@@ -1668,7 +1868,7 @@
           <a:p>
             <a:fld id="{0F252528-EBB0-409C-BAD2-6E0AD2C38DAD}" type="datetimeFigureOut">
               <a:rPr lang="ko-KR" altLang="en-US" smtClean="0"/>
-              <a:t>2019-08-26</a:t>
+              <a:t>2019-08-29</a:t>
             </a:fld>
             <a:endParaRPr lang="ko-KR" altLang="en-US"/>
           </a:p>
@@ -1876,7 +2076,7 @@
           <a:p>
             <a:fld id="{0F252528-EBB0-409C-BAD2-6E0AD2C38DAD}" type="datetimeFigureOut">
               <a:rPr lang="ko-KR" altLang="en-US" smtClean="0"/>
-              <a:t>2019-08-26</a:t>
+              <a:t>2019-08-29</a:t>
             </a:fld>
             <a:endParaRPr lang="ko-KR" altLang="en-US"/>
           </a:p>
@@ -2074,7 +2274,7 @@
           <a:p>
             <a:fld id="{0F252528-EBB0-409C-BAD2-6E0AD2C38DAD}" type="datetimeFigureOut">
               <a:rPr lang="ko-KR" altLang="en-US" smtClean="0"/>
-              <a:t>2019-08-26</a:t>
+              <a:t>2019-08-29</a:t>
             </a:fld>
             <a:endParaRPr lang="ko-KR" altLang="en-US"/>
           </a:p>
@@ -2349,7 +2549,7 @@
           <a:p>
             <a:fld id="{0F252528-EBB0-409C-BAD2-6E0AD2C38DAD}" type="datetimeFigureOut">
               <a:rPr lang="ko-KR" altLang="en-US" smtClean="0"/>
-              <a:t>2019-08-26</a:t>
+              <a:t>2019-08-29</a:t>
             </a:fld>
             <a:endParaRPr lang="ko-KR" altLang="en-US"/>
           </a:p>
@@ -2614,7 +2814,7 @@
           <a:p>
             <a:fld id="{0F252528-EBB0-409C-BAD2-6E0AD2C38DAD}" type="datetimeFigureOut">
               <a:rPr lang="ko-KR" altLang="en-US" smtClean="0"/>
-              <a:t>2019-08-26</a:t>
+              <a:t>2019-08-29</a:t>
             </a:fld>
             <a:endParaRPr lang="ko-KR" altLang="en-US"/>
           </a:p>
@@ -3026,7 +3226,7 @@
           <a:p>
             <a:fld id="{0F252528-EBB0-409C-BAD2-6E0AD2C38DAD}" type="datetimeFigureOut">
               <a:rPr lang="ko-KR" altLang="en-US" smtClean="0"/>
-              <a:t>2019-08-26</a:t>
+              <a:t>2019-08-29</a:t>
             </a:fld>
             <a:endParaRPr lang="ko-KR" altLang="en-US"/>
           </a:p>
@@ -3167,7 +3367,7 @@
           <a:p>
             <a:fld id="{0F252528-EBB0-409C-BAD2-6E0AD2C38DAD}" type="datetimeFigureOut">
               <a:rPr lang="ko-KR" altLang="en-US" smtClean="0"/>
-              <a:t>2019-08-26</a:t>
+              <a:t>2019-08-29</a:t>
             </a:fld>
             <a:endParaRPr lang="ko-KR" altLang="en-US"/>
           </a:p>
@@ -3280,7 +3480,7 @@
           <a:p>
             <a:fld id="{0F252528-EBB0-409C-BAD2-6E0AD2C38DAD}" type="datetimeFigureOut">
               <a:rPr lang="ko-KR" altLang="en-US" smtClean="0"/>
-              <a:t>2019-08-26</a:t>
+              <a:t>2019-08-29</a:t>
             </a:fld>
             <a:endParaRPr lang="ko-KR" altLang="en-US"/>
           </a:p>
@@ -3591,7 +3791,7 @@
           <a:p>
             <a:fld id="{0F252528-EBB0-409C-BAD2-6E0AD2C38DAD}" type="datetimeFigureOut">
               <a:rPr lang="ko-KR" altLang="en-US" smtClean="0"/>
-              <a:t>2019-08-26</a:t>
+              <a:t>2019-08-29</a:t>
             </a:fld>
             <a:endParaRPr lang="ko-KR" altLang="en-US"/>
           </a:p>
@@ -3879,7 +4079,7 @@
           <a:p>
             <a:fld id="{0F252528-EBB0-409C-BAD2-6E0AD2C38DAD}" type="datetimeFigureOut">
               <a:rPr lang="ko-KR" altLang="en-US" smtClean="0"/>
-              <a:t>2019-08-26</a:t>
+              <a:t>2019-08-29</a:t>
             </a:fld>
             <a:endParaRPr lang="ko-KR" altLang="en-US"/>
           </a:p>
@@ -4120,7 +4320,7 @@
           <a:p>
             <a:fld id="{0F252528-EBB0-409C-BAD2-6E0AD2C38DAD}" type="datetimeFigureOut">
               <a:rPr lang="ko-KR" altLang="en-US" smtClean="0"/>
-              <a:t>2019-08-26</a:t>
+              <a:t>2019-08-29</a:t>
             </a:fld>
             <a:endParaRPr lang="ko-KR" altLang="en-US"/>
           </a:p>
@@ -6992,7 +7192,7 @@
         </p:blipFill>
         <p:spPr>
           <a:xfrm>
-            <a:off x="4111884" y="5809181"/>
+            <a:off x="3808412" y="4939857"/>
             <a:ext cx="7600950" cy="676275"/>
           </a:xfrm>
           <a:prstGeom prst="rect">
@@ -7095,25 +7295,25 @@
           <p:cNvPr id="2" name="그림 1">
             <a:extLst>
               <a:ext uri="{FF2B5EF4-FFF2-40B4-BE49-F238E27FC236}">
-                <a16:creationId xmlns:a16="http://schemas.microsoft.com/office/drawing/2014/main" id="{DCC42030-1C7A-4D81-BC33-ED9F8C35CA5E}"/>
-              </a:ext>
-            </a:extLst>
-          </p:cNvPr>
-          <p:cNvPicPr>
-            <a:picLocks noChangeAspect="1"/>
-          </p:cNvPicPr>
-          <p:nvPr/>
-        </p:nvPicPr>
-        <p:blipFill>
-          <a:blip r:embed="rId2"/>
-          <a:stretch>
-            <a:fillRect/>
-          </a:stretch>
-        </p:blipFill>
-        <p:spPr>
-          <a:xfrm>
-            <a:off x="8444865" y="2888932"/>
-            <a:ext cx="3181350" cy="257175"/>
+                <a16:creationId xmlns:a16="http://schemas.microsoft.com/office/drawing/2014/main" id="{B6CD68B2-8B22-49CC-AA4B-7E300112D768}"/>
+              </a:ext>
+            </a:extLst>
+          </p:cNvPr>
+          <p:cNvPicPr>
+            <a:picLocks noChangeAspect="1"/>
+          </p:cNvPicPr>
+          <p:nvPr/>
+        </p:nvPicPr>
+        <p:blipFill>
+          <a:blip r:embed="rId3"/>
+          <a:stretch>
+            <a:fillRect/>
+          </a:stretch>
+        </p:blipFill>
+        <p:spPr>
+          <a:xfrm>
+            <a:off x="4834255" y="5764530"/>
+            <a:ext cx="6953250" cy="571500"/>
           </a:xfrm>
           <a:prstGeom prst="rect">
             <a:avLst/>
@@ -7125,55 +7325,55 @@
           <p:cNvPr id="3" name="그림 2">
             <a:extLst>
               <a:ext uri="{FF2B5EF4-FFF2-40B4-BE49-F238E27FC236}">
-                <a16:creationId xmlns:a16="http://schemas.microsoft.com/office/drawing/2014/main" id="{00648632-D629-4D85-BF86-0E946D8801BE}"/>
-              </a:ext>
-            </a:extLst>
-          </p:cNvPr>
-          <p:cNvPicPr>
-            <a:picLocks noChangeAspect="1"/>
-          </p:cNvPicPr>
-          <p:nvPr/>
-        </p:nvPicPr>
-        <p:blipFill>
-          <a:blip r:embed="rId3"/>
-          <a:stretch>
-            <a:fillRect/>
-          </a:stretch>
-        </p:blipFill>
-        <p:spPr>
-          <a:xfrm>
-            <a:off x="699136" y="251460"/>
+                <a16:creationId xmlns:a16="http://schemas.microsoft.com/office/drawing/2014/main" id="{61FB3FBD-0B1C-46E3-A800-626E23B0FDD4}"/>
+              </a:ext>
+            </a:extLst>
+          </p:cNvPr>
+          <p:cNvPicPr>
+            <a:picLocks noChangeAspect="1"/>
+          </p:cNvPicPr>
+          <p:nvPr/>
+        </p:nvPicPr>
+        <p:blipFill>
+          <a:blip r:embed="rId4"/>
+          <a:stretch>
+            <a:fillRect/>
+          </a:stretch>
+        </p:blipFill>
+        <p:spPr>
+          <a:xfrm>
+            <a:off x="6690359" y="4977765"/>
+            <a:ext cx="5076825" cy="304800"/>
+          </a:xfrm>
+          <a:prstGeom prst="rect">
+            <a:avLst/>
+          </a:prstGeom>
+        </p:spPr>
+      </p:pic>
+      <p:pic>
+        <p:nvPicPr>
+          <p:cNvPr id="4" name="그림 3">
+            <a:extLst>
+              <a:ext uri="{FF2B5EF4-FFF2-40B4-BE49-F238E27FC236}">
+                <a16:creationId xmlns:a16="http://schemas.microsoft.com/office/drawing/2014/main" id="{BC327695-6795-41AC-AF81-DD0C23BC5741}"/>
+              </a:ext>
+            </a:extLst>
+          </p:cNvPr>
+          <p:cNvPicPr>
+            <a:picLocks noChangeAspect="1"/>
+          </p:cNvPicPr>
+          <p:nvPr/>
+        </p:nvPicPr>
+        <p:blipFill>
+          <a:blip r:embed="rId5"/>
+          <a:stretch>
+            <a:fillRect/>
+          </a:stretch>
+        </p:blipFill>
+        <p:spPr>
+          <a:xfrm>
+            <a:off x="426720" y="228600"/>
             <a:ext cx="6096000" cy="4572000"/>
-          </a:xfrm>
-          <a:prstGeom prst="rect">
-            <a:avLst/>
-          </a:prstGeom>
-        </p:spPr>
-      </p:pic>
-      <p:pic>
-        <p:nvPicPr>
-          <p:cNvPr id="4" name="그림 3">
-            <a:extLst>
-              <a:ext uri="{FF2B5EF4-FFF2-40B4-BE49-F238E27FC236}">
-                <a16:creationId xmlns:a16="http://schemas.microsoft.com/office/drawing/2014/main" id="{381FE136-B86E-4DAB-992F-CCB45FE99CE3}"/>
-              </a:ext>
-            </a:extLst>
-          </p:cNvPr>
-          <p:cNvPicPr>
-            <a:picLocks noChangeAspect="1"/>
-          </p:cNvPicPr>
-          <p:nvPr/>
-        </p:nvPicPr>
-        <p:blipFill>
-          <a:blip r:embed="rId4"/>
-          <a:stretch>
-            <a:fillRect/>
-          </a:stretch>
-        </p:blipFill>
-        <p:spPr>
-          <a:xfrm>
-            <a:off x="4625340" y="5385435"/>
-            <a:ext cx="7000875" cy="476250"/>
           </a:xfrm>
           <a:prstGeom prst="rect">
             <a:avLst/>
@@ -7183,7 +7383,7 @@
     </p:spTree>
     <p:extLst>
       <p:ext uri="{BB962C8B-B14F-4D97-AF65-F5344CB8AC3E}">
-        <p14:creationId xmlns:p14="http://schemas.microsoft.com/office/powerpoint/2010/main" val="3799614039"/>
+        <p14:creationId xmlns:p14="http://schemas.microsoft.com/office/powerpoint/2010/main" val="3512368508"/>
       </p:ext>
     </p:extLst>
   </p:cSld>
@@ -7212,70 +7412,70 @@
       </p:grpSpPr>
       <p:pic>
         <p:nvPicPr>
+          <p:cNvPr id="2" name="그림 1">
+            <a:extLst>
+              <a:ext uri="{FF2B5EF4-FFF2-40B4-BE49-F238E27FC236}">
+                <a16:creationId xmlns:a16="http://schemas.microsoft.com/office/drawing/2014/main" id="{DCC42030-1C7A-4D81-BC33-ED9F8C35CA5E}"/>
+              </a:ext>
+            </a:extLst>
+          </p:cNvPr>
+          <p:cNvPicPr>
+            <a:picLocks noChangeAspect="1"/>
+          </p:cNvPicPr>
+          <p:nvPr/>
+        </p:nvPicPr>
+        <p:blipFill>
+          <a:blip r:embed="rId2"/>
+          <a:stretch>
+            <a:fillRect/>
+          </a:stretch>
+        </p:blipFill>
+        <p:spPr>
+          <a:xfrm>
+            <a:off x="8444865" y="2888932"/>
+            <a:ext cx="3181350" cy="257175"/>
+          </a:xfrm>
+          <a:prstGeom prst="rect">
+            <a:avLst/>
+          </a:prstGeom>
+        </p:spPr>
+      </p:pic>
+      <p:pic>
+        <p:nvPicPr>
+          <p:cNvPr id="3" name="그림 2">
+            <a:extLst>
+              <a:ext uri="{FF2B5EF4-FFF2-40B4-BE49-F238E27FC236}">
+                <a16:creationId xmlns:a16="http://schemas.microsoft.com/office/drawing/2014/main" id="{00648632-D629-4D85-BF86-0E946D8801BE}"/>
+              </a:ext>
+            </a:extLst>
+          </p:cNvPr>
+          <p:cNvPicPr>
+            <a:picLocks noChangeAspect="1"/>
+          </p:cNvPicPr>
+          <p:nvPr/>
+        </p:nvPicPr>
+        <p:blipFill>
+          <a:blip r:embed="rId3"/>
+          <a:stretch>
+            <a:fillRect/>
+          </a:stretch>
+        </p:blipFill>
+        <p:spPr>
+          <a:xfrm>
+            <a:off x="699136" y="251460"/>
+            <a:ext cx="6096000" cy="4572000"/>
+          </a:xfrm>
+          <a:prstGeom prst="rect">
+            <a:avLst/>
+          </a:prstGeom>
+        </p:spPr>
+      </p:pic>
+      <p:pic>
+        <p:nvPicPr>
           <p:cNvPr id="4" name="그림 3">
             <a:extLst>
               <a:ext uri="{FF2B5EF4-FFF2-40B4-BE49-F238E27FC236}">
-                <a16:creationId xmlns:a16="http://schemas.microsoft.com/office/drawing/2014/main" id="{AF17F2FD-9AEC-42C5-8C22-9B951649E69E}"/>
-              </a:ext>
-            </a:extLst>
-          </p:cNvPr>
-          <p:cNvPicPr>
-            <a:picLocks noChangeAspect="1"/>
-          </p:cNvPicPr>
-          <p:nvPr/>
-        </p:nvPicPr>
-        <p:blipFill>
-          <a:blip r:embed="rId2"/>
-          <a:stretch>
-            <a:fillRect/>
-          </a:stretch>
-        </p:blipFill>
-        <p:spPr>
-          <a:xfrm>
-            <a:off x="457200" y="571500"/>
-            <a:ext cx="6096000" cy="4572000"/>
-          </a:xfrm>
-          <a:prstGeom prst="rect">
-            <a:avLst/>
-          </a:prstGeom>
-        </p:spPr>
-      </p:pic>
-      <p:pic>
-        <p:nvPicPr>
-          <p:cNvPr id="5" name="그림 4">
-            <a:extLst>
-              <a:ext uri="{FF2B5EF4-FFF2-40B4-BE49-F238E27FC236}">
-                <a16:creationId xmlns:a16="http://schemas.microsoft.com/office/drawing/2014/main" id="{A4F6E968-142E-4C1A-B928-E2CC9E5F5DDA}"/>
-              </a:ext>
-            </a:extLst>
-          </p:cNvPr>
-          <p:cNvPicPr>
-            <a:picLocks noChangeAspect="1"/>
-          </p:cNvPicPr>
-          <p:nvPr/>
-        </p:nvPicPr>
-        <p:blipFill>
-          <a:blip r:embed="rId3"/>
-          <a:stretch>
-            <a:fillRect/>
-          </a:stretch>
-        </p:blipFill>
-        <p:spPr>
-          <a:xfrm>
-            <a:off x="7869555" y="3139440"/>
-            <a:ext cx="3219450" cy="228600"/>
-          </a:xfrm>
-          <a:prstGeom prst="rect">
-            <a:avLst/>
-          </a:prstGeom>
-        </p:spPr>
-      </p:pic>
-      <p:pic>
-        <p:nvPicPr>
-          <p:cNvPr id="6" name="그림 5">
-            <a:extLst>
-              <a:ext uri="{FF2B5EF4-FFF2-40B4-BE49-F238E27FC236}">
-                <a16:creationId xmlns:a16="http://schemas.microsoft.com/office/drawing/2014/main" id="{1F27A436-19DA-4CD0-8C58-4E120DB6DDC0}"/>
+                <a16:creationId xmlns:a16="http://schemas.microsoft.com/office/drawing/2014/main" id="{381FE136-B86E-4DAB-992F-CCB45FE99CE3}"/>
               </a:ext>
             </a:extLst>
           </p:cNvPr>
@@ -7292,8 +7492,8 @@
         </p:blipFill>
         <p:spPr>
           <a:xfrm>
-            <a:off x="4686300" y="5420677"/>
-            <a:ext cx="7143750" cy="619125"/>
+            <a:off x="4625340" y="5385435"/>
+            <a:ext cx="7000875" cy="476250"/>
           </a:xfrm>
           <a:prstGeom prst="rect">
             <a:avLst/>
@@ -7303,7 +7503,7 @@
     </p:spTree>
     <p:extLst>
       <p:ext uri="{BB962C8B-B14F-4D97-AF65-F5344CB8AC3E}">
-        <p14:creationId xmlns:p14="http://schemas.microsoft.com/office/powerpoint/2010/main" val="2704268751"/>
+        <p14:creationId xmlns:p14="http://schemas.microsoft.com/office/powerpoint/2010/main" val="3799614039"/>
       </p:ext>
     </p:extLst>
   </p:cSld>
@@ -7512,10 +7712,10 @@
       </p:grpSpPr>
       <p:pic>
         <p:nvPicPr>
-          <p:cNvPr id="2" name="그림 1">
-            <a:extLst>
-              <a:ext uri="{FF2B5EF4-FFF2-40B4-BE49-F238E27FC236}">
-                <a16:creationId xmlns:a16="http://schemas.microsoft.com/office/drawing/2014/main" id="{1FE90932-BE28-4618-9932-A5265C708C25}"/>
+          <p:cNvPr id="4" name="그림 3">
+            <a:extLst>
+              <a:ext uri="{FF2B5EF4-FFF2-40B4-BE49-F238E27FC236}">
+                <a16:creationId xmlns:a16="http://schemas.microsoft.com/office/drawing/2014/main" id="{AF17F2FD-9AEC-42C5-8C22-9B951649E69E}"/>
               </a:ext>
             </a:extLst>
           </p:cNvPr>
@@ -7532,7 +7732,7 @@
         </p:blipFill>
         <p:spPr>
           <a:xfrm>
-            <a:off x="586740" y="121920"/>
+            <a:off x="457200" y="571500"/>
             <a:ext cx="6096000" cy="4572000"/>
           </a:xfrm>
           <a:prstGeom prst="rect">
@@ -7542,10 +7742,10 @@
       </p:pic>
       <p:pic>
         <p:nvPicPr>
-          <p:cNvPr id="3" name="그림 2">
-            <a:extLst>
-              <a:ext uri="{FF2B5EF4-FFF2-40B4-BE49-F238E27FC236}">
-                <a16:creationId xmlns:a16="http://schemas.microsoft.com/office/drawing/2014/main" id="{BA04056F-BDBC-4D58-B2B0-91398496FD52}"/>
+          <p:cNvPr id="5" name="그림 4">
+            <a:extLst>
+              <a:ext uri="{FF2B5EF4-FFF2-40B4-BE49-F238E27FC236}">
+                <a16:creationId xmlns:a16="http://schemas.microsoft.com/office/drawing/2014/main" id="{A4F6E968-142E-4C1A-B928-E2CC9E5F5DDA}"/>
               </a:ext>
             </a:extLst>
           </p:cNvPr>
@@ -7562,20 +7762,20 @@
         </p:blipFill>
         <p:spPr>
           <a:xfrm>
-            <a:off x="4231957" y="5746432"/>
-            <a:ext cx="7324725" cy="638175"/>
-          </a:xfrm>
-          <a:prstGeom prst="rect">
-            <a:avLst/>
-          </a:prstGeom>
-        </p:spPr>
-      </p:pic>
-      <p:pic>
-        <p:nvPicPr>
-          <p:cNvPr id="4" name="그림 3">
-            <a:extLst>
-              <a:ext uri="{FF2B5EF4-FFF2-40B4-BE49-F238E27FC236}">
-                <a16:creationId xmlns:a16="http://schemas.microsoft.com/office/drawing/2014/main" id="{0DFD40D2-641C-4023-895D-EE6FA92902B8}"/>
+            <a:off x="7869555" y="3139440"/>
+            <a:ext cx="3219450" cy="228600"/>
+          </a:xfrm>
+          <a:prstGeom prst="rect">
+            <a:avLst/>
+          </a:prstGeom>
+        </p:spPr>
+      </p:pic>
+      <p:pic>
+        <p:nvPicPr>
+          <p:cNvPr id="6" name="그림 5">
+            <a:extLst>
+              <a:ext uri="{FF2B5EF4-FFF2-40B4-BE49-F238E27FC236}">
+                <a16:creationId xmlns:a16="http://schemas.microsoft.com/office/drawing/2014/main" id="{1F27A436-19DA-4CD0-8C58-4E120DB6DDC0}"/>
               </a:ext>
             </a:extLst>
           </p:cNvPr>
@@ -7592,8 +7792,8 @@
         </p:blipFill>
         <p:spPr>
           <a:xfrm>
-            <a:off x="8519160" y="2987992"/>
-            <a:ext cx="3352800" cy="257175"/>
+            <a:off x="4686300" y="5420677"/>
+            <a:ext cx="7143750" cy="619125"/>
           </a:xfrm>
           <a:prstGeom prst="rect">
             <a:avLst/>
@@ -7603,7 +7803,7 @@
     </p:spTree>
     <p:extLst>
       <p:ext uri="{BB962C8B-B14F-4D97-AF65-F5344CB8AC3E}">
-        <p14:creationId xmlns:p14="http://schemas.microsoft.com/office/powerpoint/2010/main" val="2895012657"/>
+        <p14:creationId xmlns:p14="http://schemas.microsoft.com/office/powerpoint/2010/main" val="2704268751"/>
       </p:ext>
     </p:extLst>
   </p:cSld>
@@ -7635,6 +7835,246 @@
           <p:cNvPr id="2" name="그림 1">
             <a:extLst>
               <a:ext uri="{FF2B5EF4-FFF2-40B4-BE49-F238E27FC236}">
+                <a16:creationId xmlns:a16="http://schemas.microsoft.com/office/drawing/2014/main" id="{E77A6EC9-D92D-44C1-883A-8F449F550443}"/>
+              </a:ext>
+            </a:extLst>
+          </p:cNvPr>
+          <p:cNvPicPr>
+            <a:picLocks noChangeAspect="1"/>
+          </p:cNvPicPr>
+          <p:nvPr/>
+        </p:nvPicPr>
+        <p:blipFill>
+          <a:blip r:embed="rId3"/>
+          <a:stretch>
+            <a:fillRect/>
+          </a:stretch>
+        </p:blipFill>
+        <p:spPr>
+          <a:xfrm>
+            <a:off x="4287837" y="5132070"/>
+            <a:ext cx="7172325" cy="495300"/>
+          </a:xfrm>
+          <a:prstGeom prst="rect">
+            <a:avLst/>
+          </a:prstGeom>
+        </p:spPr>
+      </p:pic>
+      <p:pic>
+        <p:nvPicPr>
+          <p:cNvPr id="3" name="그림 2">
+            <a:extLst>
+              <a:ext uri="{FF2B5EF4-FFF2-40B4-BE49-F238E27FC236}">
+                <a16:creationId xmlns:a16="http://schemas.microsoft.com/office/drawing/2014/main" id="{4A359713-EC92-4315-A201-A732A86F0973}"/>
+              </a:ext>
+            </a:extLst>
+          </p:cNvPr>
+          <p:cNvPicPr>
+            <a:picLocks noChangeAspect="1"/>
+          </p:cNvPicPr>
+          <p:nvPr/>
+        </p:nvPicPr>
+        <p:blipFill>
+          <a:blip r:embed="rId4"/>
+          <a:stretch>
+            <a:fillRect/>
+          </a:stretch>
+        </p:blipFill>
+        <p:spPr>
+          <a:xfrm>
+            <a:off x="6654800" y="4344670"/>
+            <a:ext cx="5267325" cy="352425"/>
+          </a:xfrm>
+          <a:prstGeom prst="rect">
+            <a:avLst/>
+          </a:prstGeom>
+        </p:spPr>
+      </p:pic>
+      <p:pic>
+        <p:nvPicPr>
+          <p:cNvPr id="4" name="그림 3">
+            <a:extLst>
+              <a:ext uri="{FF2B5EF4-FFF2-40B4-BE49-F238E27FC236}">
+                <a16:creationId xmlns:a16="http://schemas.microsoft.com/office/drawing/2014/main" id="{46408AC2-56FB-4AB2-9AA6-6485EE474DB1}"/>
+              </a:ext>
+            </a:extLst>
+          </p:cNvPr>
+          <p:cNvPicPr>
+            <a:picLocks noChangeAspect="1"/>
+          </p:cNvPicPr>
+          <p:nvPr/>
+        </p:nvPicPr>
+        <p:blipFill>
+          <a:blip r:embed="rId5"/>
+          <a:stretch>
+            <a:fillRect/>
+          </a:stretch>
+        </p:blipFill>
+        <p:spPr>
+          <a:xfrm>
+            <a:off x="111760" y="177800"/>
+            <a:ext cx="6096000" cy="4572000"/>
+          </a:xfrm>
+          <a:prstGeom prst="rect">
+            <a:avLst/>
+          </a:prstGeom>
+        </p:spPr>
+      </p:pic>
+    </p:spTree>
+    <p:extLst>
+      <p:ext uri="{BB962C8B-B14F-4D97-AF65-F5344CB8AC3E}">
+        <p14:creationId xmlns:p14="http://schemas.microsoft.com/office/powerpoint/2010/main" val="3929643022"/>
+      </p:ext>
+    </p:extLst>
+  </p:cSld>
+  <p:clrMapOvr>
+    <a:masterClrMapping/>
+  </p:clrMapOvr>
+</p:sld>
+</file>
+
+<file path=ppt/slides/slide32.xml><?xml version="1.0" encoding="utf-8"?>
+<p:sld xmlns:a="http://schemas.openxmlformats.org/drawingml/2006/main" xmlns:r="http://schemas.openxmlformats.org/officeDocument/2006/relationships" xmlns:p="http://schemas.openxmlformats.org/presentationml/2006/main">
+  <p:cSld>
+    <p:spTree>
+      <p:nvGrpSpPr>
+        <p:cNvPr id="1" name=""/>
+        <p:cNvGrpSpPr/>
+        <p:nvPr/>
+      </p:nvGrpSpPr>
+      <p:grpSpPr>
+        <a:xfrm>
+          <a:off x="0" y="0"/>
+          <a:ext cx="0" cy="0"/>
+          <a:chOff x="0" y="0"/>
+          <a:chExt cx="0" cy="0"/>
+        </a:xfrm>
+      </p:grpSpPr>
+      <p:pic>
+        <p:nvPicPr>
+          <p:cNvPr id="2" name="그림 1">
+            <a:extLst>
+              <a:ext uri="{FF2B5EF4-FFF2-40B4-BE49-F238E27FC236}">
+                <a16:creationId xmlns:a16="http://schemas.microsoft.com/office/drawing/2014/main" id="{1FE90932-BE28-4618-9932-A5265C708C25}"/>
+              </a:ext>
+            </a:extLst>
+          </p:cNvPr>
+          <p:cNvPicPr>
+            <a:picLocks noChangeAspect="1"/>
+          </p:cNvPicPr>
+          <p:nvPr/>
+        </p:nvPicPr>
+        <p:blipFill>
+          <a:blip r:embed="rId2"/>
+          <a:stretch>
+            <a:fillRect/>
+          </a:stretch>
+        </p:blipFill>
+        <p:spPr>
+          <a:xfrm>
+            <a:off x="586740" y="121920"/>
+            <a:ext cx="6096000" cy="4572000"/>
+          </a:xfrm>
+          <a:prstGeom prst="rect">
+            <a:avLst/>
+          </a:prstGeom>
+        </p:spPr>
+      </p:pic>
+      <p:pic>
+        <p:nvPicPr>
+          <p:cNvPr id="3" name="그림 2">
+            <a:extLst>
+              <a:ext uri="{FF2B5EF4-FFF2-40B4-BE49-F238E27FC236}">
+                <a16:creationId xmlns:a16="http://schemas.microsoft.com/office/drawing/2014/main" id="{BA04056F-BDBC-4D58-B2B0-91398496FD52}"/>
+              </a:ext>
+            </a:extLst>
+          </p:cNvPr>
+          <p:cNvPicPr>
+            <a:picLocks noChangeAspect="1"/>
+          </p:cNvPicPr>
+          <p:nvPr/>
+        </p:nvPicPr>
+        <p:blipFill>
+          <a:blip r:embed="rId3"/>
+          <a:stretch>
+            <a:fillRect/>
+          </a:stretch>
+        </p:blipFill>
+        <p:spPr>
+          <a:xfrm>
+            <a:off x="4231957" y="5746432"/>
+            <a:ext cx="7324725" cy="638175"/>
+          </a:xfrm>
+          <a:prstGeom prst="rect">
+            <a:avLst/>
+          </a:prstGeom>
+        </p:spPr>
+      </p:pic>
+      <p:pic>
+        <p:nvPicPr>
+          <p:cNvPr id="4" name="그림 3">
+            <a:extLst>
+              <a:ext uri="{FF2B5EF4-FFF2-40B4-BE49-F238E27FC236}">
+                <a16:creationId xmlns:a16="http://schemas.microsoft.com/office/drawing/2014/main" id="{0DFD40D2-641C-4023-895D-EE6FA92902B8}"/>
+              </a:ext>
+            </a:extLst>
+          </p:cNvPr>
+          <p:cNvPicPr>
+            <a:picLocks noChangeAspect="1"/>
+          </p:cNvPicPr>
+          <p:nvPr/>
+        </p:nvPicPr>
+        <p:blipFill>
+          <a:blip r:embed="rId4"/>
+          <a:stretch>
+            <a:fillRect/>
+          </a:stretch>
+        </p:blipFill>
+        <p:spPr>
+          <a:xfrm>
+            <a:off x="8519160" y="2987992"/>
+            <a:ext cx="3352800" cy="257175"/>
+          </a:xfrm>
+          <a:prstGeom prst="rect">
+            <a:avLst/>
+          </a:prstGeom>
+        </p:spPr>
+      </p:pic>
+    </p:spTree>
+    <p:extLst>
+      <p:ext uri="{BB962C8B-B14F-4D97-AF65-F5344CB8AC3E}">
+        <p14:creationId xmlns:p14="http://schemas.microsoft.com/office/powerpoint/2010/main" val="2895012657"/>
+      </p:ext>
+    </p:extLst>
+  </p:cSld>
+  <p:clrMapOvr>
+    <a:masterClrMapping/>
+  </p:clrMapOvr>
+</p:sld>
+</file>
+
+<file path=ppt/slides/slide33.xml><?xml version="1.0" encoding="utf-8"?>
+<p:sld xmlns:a="http://schemas.openxmlformats.org/drawingml/2006/main" xmlns:r="http://schemas.openxmlformats.org/officeDocument/2006/relationships" xmlns:p="http://schemas.openxmlformats.org/presentationml/2006/main">
+  <p:cSld>
+    <p:spTree>
+      <p:nvGrpSpPr>
+        <p:cNvPr id="1" name=""/>
+        <p:cNvGrpSpPr/>
+        <p:nvPr/>
+      </p:nvGrpSpPr>
+      <p:grpSpPr>
+        <a:xfrm>
+          <a:off x="0" y="0"/>
+          <a:ext cx="0" cy="0"/>
+          <a:chOff x="0" y="0"/>
+          <a:chExt cx="0" cy="0"/>
+        </a:xfrm>
+      </p:grpSpPr>
+      <p:pic>
+        <p:nvPicPr>
+          <p:cNvPr id="2" name="그림 1">
+            <a:extLst>
+              <a:ext uri="{FF2B5EF4-FFF2-40B4-BE49-F238E27FC236}">
                 <a16:creationId xmlns:a16="http://schemas.microsoft.com/office/drawing/2014/main" id="{028823C2-EE9F-4812-B06E-F3875CFD3E4B}"/>
               </a:ext>
             </a:extLst>
@@ -7724,6 +8164,293 @@
     <p:extLst>
       <p:ext uri="{BB962C8B-B14F-4D97-AF65-F5344CB8AC3E}">
         <p14:creationId xmlns:p14="http://schemas.microsoft.com/office/powerpoint/2010/main" val="1120972377"/>
+      </p:ext>
+    </p:extLst>
+  </p:cSld>
+  <p:clrMapOvr>
+    <a:masterClrMapping/>
+  </p:clrMapOvr>
+</p:sld>
+</file>
+
+<file path=ppt/slides/slide34.xml><?xml version="1.0" encoding="utf-8"?>
+<p:sld xmlns:a="http://schemas.openxmlformats.org/drawingml/2006/main" xmlns:r="http://schemas.openxmlformats.org/officeDocument/2006/relationships" xmlns:p="http://schemas.openxmlformats.org/presentationml/2006/main">
+  <p:cSld>
+    <p:spTree>
+      <p:nvGrpSpPr>
+        <p:cNvPr id="1" name=""/>
+        <p:cNvGrpSpPr/>
+        <p:nvPr/>
+      </p:nvGrpSpPr>
+      <p:grpSpPr>
+        <a:xfrm>
+          <a:off x="0" y="0"/>
+          <a:ext cx="0" cy="0"/>
+          <a:chOff x="0" y="0"/>
+          <a:chExt cx="0" cy="0"/>
+        </a:xfrm>
+      </p:grpSpPr>
+      <p:pic>
+        <p:nvPicPr>
+          <p:cNvPr id="2" name="그림 1">
+            <a:extLst>
+              <a:ext uri="{FF2B5EF4-FFF2-40B4-BE49-F238E27FC236}">
+                <a16:creationId xmlns:a16="http://schemas.microsoft.com/office/drawing/2014/main" id="{2C26C382-3247-47EB-93AE-6622D5633B6F}"/>
+              </a:ext>
+            </a:extLst>
+          </p:cNvPr>
+          <p:cNvPicPr>
+            <a:picLocks noChangeAspect="1"/>
+          </p:cNvPicPr>
+          <p:nvPr/>
+        </p:nvPicPr>
+        <p:blipFill>
+          <a:blip r:embed="rId2"/>
+          <a:stretch>
+            <a:fillRect/>
+          </a:stretch>
+        </p:blipFill>
+        <p:spPr>
+          <a:xfrm>
+            <a:off x="270288" y="183624"/>
+            <a:ext cx="6096000" cy="4572000"/>
+          </a:xfrm>
+          <a:prstGeom prst="rect">
+            <a:avLst/>
+          </a:prstGeom>
+        </p:spPr>
+      </p:pic>
+      <p:pic>
+        <p:nvPicPr>
+          <p:cNvPr id="3" name="그림 2">
+            <a:extLst>
+              <a:ext uri="{FF2B5EF4-FFF2-40B4-BE49-F238E27FC236}">
+                <a16:creationId xmlns:a16="http://schemas.microsoft.com/office/drawing/2014/main" id="{7DDF1F14-709F-453C-94DE-90B741016A1C}"/>
+              </a:ext>
+            </a:extLst>
+          </p:cNvPr>
+          <p:cNvPicPr>
+            <a:picLocks noChangeAspect="1"/>
+          </p:cNvPicPr>
+          <p:nvPr/>
+        </p:nvPicPr>
+        <p:blipFill>
+          <a:blip r:embed="rId3"/>
+          <a:stretch>
+            <a:fillRect/>
+          </a:stretch>
+        </p:blipFill>
+        <p:spPr>
+          <a:xfrm>
+            <a:off x="4116780" y="4832796"/>
+            <a:ext cx="7143750" cy="714375"/>
+          </a:xfrm>
+          <a:prstGeom prst="rect">
+            <a:avLst/>
+          </a:prstGeom>
+        </p:spPr>
+      </p:pic>
+      <p:pic>
+        <p:nvPicPr>
+          <p:cNvPr id="4" name="그림 3">
+            <a:extLst>
+              <a:ext uri="{FF2B5EF4-FFF2-40B4-BE49-F238E27FC236}">
+                <a16:creationId xmlns:a16="http://schemas.microsoft.com/office/drawing/2014/main" id="{540F4210-CB1F-4252-8051-02ACC3F426CA}"/>
+              </a:ext>
+            </a:extLst>
+          </p:cNvPr>
+          <p:cNvPicPr>
+            <a:picLocks noChangeAspect="1"/>
+          </p:cNvPicPr>
+          <p:nvPr/>
+        </p:nvPicPr>
+        <p:blipFill>
+          <a:blip r:embed="rId4"/>
+          <a:stretch>
+            <a:fillRect/>
+          </a:stretch>
+        </p:blipFill>
+        <p:spPr>
+          <a:xfrm>
+            <a:off x="7581900" y="2469624"/>
+            <a:ext cx="3200400" cy="238125"/>
+          </a:xfrm>
+          <a:prstGeom prst="rect">
+            <a:avLst/>
+          </a:prstGeom>
+        </p:spPr>
+      </p:pic>
+      <p:sp>
+        <p:nvSpPr>
+          <p:cNvPr id="5" name="TextBox 4">
+            <a:extLst>
+              <a:ext uri="{FF2B5EF4-FFF2-40B4-BE49-F238E27FC236}">
+                <a16:creationId xmlns:a16="http://schemas.microsoft.com/office/drawing/2014/main" id="{01A67053-A150-445C-915D-7089DF8789E6}"/>
+              </a:ext>
+            </a:extLst>
+          </p:cNvPr>
+          <p:cNvSpPr txBox="1"/>
+          <p:nvPr/>
+        </p:nvSpPr>
+        <p:spPr>
+          <a:xfrm>
+            <a:off x="4591318" y="5853448"/>
+            <a:ext cx="4417454" cy="369332"/>
+          </a:xfrm>
+          <a:prstGeom prst="rect">
+            <a:avLst/>
+          </a:prstGeom>
+          <a:noFill/>
+        </p:spPr>
+        <p:txBody>
+          <a:bodyPr wrap="square" rtlCol="0">
+            <a:spAutoFit/>
+          </a:bodyPr>
+          <a:lstStyle/>
+          <a:p>
+            <a:r>
+              <a:rPr lang="en-US" altLang="ko-KR" dirty="0">
+                <a:solidFill>
+                  <a:srgbClr val="FF0000"/>
+                </a:solidFill>
+              </a:rPr>
+              <a:t>13</a:t>
+            </a:r>
+            <a:r>
+              <a:rPr lang="ko-KR" altLang="en-US" dirty="0">
+                <a:solidFill>
+                  <a:srgbClr val="FF0000"/>
+                </a:solidFill>
+              </a:rPr>
+              <a:t>시간</a:t>
+            </a:r>
+          </a:p>
+        </p:txBody>
+      </p:sp>
+    </p:spTree>
+    <p:extLst>
+      <p:ext uri="{BB962C8B-B14F-4D97-AF65-F5344CB8AC3E}">
+        <p14:creationId xmlns:p14="http://schemas.microsoft.com/office/powerpoint/2010/main" val="992216299"/>
+      </p:ext>
+    </p:extLst>
+  </p:cSld>
+  <p:clrMapOvr>
+    <a:masterClrMapping/>
+  </p:clrMapOvr>
+</p:sld>
+</file>
+
+<file path=ppt/slides/slide35.xml><?xml version="1.0" encoding="utf-8"?>
+<p:sld xmlns:a="http://schemas.openxmlformats.org/drawingml/2006/main" xmlns:r="http://schemas.openxmlformats.org/officeDocument/2006/relationships" xmlns:p="http://schemas.openxmlformats.org/presentationml/2006/main">
+  <p:cSld>
+    <p:spTree>
+      <p:nvGrpSpPr>
+        <p:cNvPr id="1" name=""/>
+        <p:cNvGrpSpPr/>
+        <p:nvPr/>
+      </p:nvGrpSpPr>
+      <p:grpSpPr>
+        <a:xfrm>
+          <a:off x="0" y="0"/>
+          <a:ext cx="0" cy="0"/>
+          <a:chOff x="0" y="0"/>
+          <a:chExt cx="0" cy="0"/>
+        </a:xfrm>
+      </p:grpSpPr>
+      <p:pic>
+        <p:nvPicPr>
+          <p:cNvPr id="2" name="그림 1">
+            <a:extLst>
+              <a:ext uri="{FF2B5EF4-FFF2-40B4-BE49-F238E27FC236}">
+                <a16:creationId xmlns:a16="http://schemas.microsoft.com/office/drawing/2014/main" id="{A5D3AE9C-27D7-4F89-8CB3-7FFA2B67D5CE}"/>
+              </a:ext>
+            </a:extLst>
+          </p:cNvPr>
+          <p:cNvPicPr>
+            <a:picLocks noChangeAspect="1"/>
+          </p:cNvPicPr>
+          <p:nvPr/>
+        </p:nvPicPr>
+        <p:blipFill>
+          <a:blip r:embed="rId2"/>
+          <a:stretch>
+            <a:fillRect/>
+          </a:stretch>
+        </p:blipFill>
+        <p:spPr>
+          <a:xfrm>
+            <a:off x="324255" y="209145"/>
+            <a:ext cx="6096000" cy="4572000"/>
+          </a:xfrm>
+          <a:prstGeom prst="rect">
+            <a:avLst/>
+          </a:prstGeom>
+        </p:spPr>
+      </p:pic>
+      <p:pic>
+        <p:nvPicPr>
+          <p:cNvPr id="3" name="그림 2">
+            <a:extLst>
+              <a:ext uri="{FF2B5EF4-FFF2-40B4-BE49-F238E27FC236}">
+                <a16:creationId xmlns:a16="http://schemas.microsoft.com/office/drawing/2014/main" id="{3704776B-BC81-419D-A052-ADFA564F16E5}"/>
+              </a:ext>
+            </a:extLst>
+          </p:cNvPr>
+          <p:cNvPicPr>
+            <a:picLocks noChangeAspect="1"/>
+          </p:cNvPicPr>
+          <p:nvPr/>
+        </p:nvPicPr>
+        <p:blipFill>
+          <a:blip r:embed="rId3"/>
+          <a:stretch>
+            <a:fillRect/>
+          </a:stretch>
+        </p:blipFill>
+        <p:spPr>
+          <a:xfrm>
+            <a:off x="6096000" y="5040447"/>
+            <a:ext cx="5314950" cy="314325"/>
+          </a:xfrm>
+          <a:prstGeom prst="rect">
+            <a:avLst/>
+          </a:prstGeom>
+        </p:spPr>
+      </p:pic>
+      <p:pic>
+        <p:nvPicPr>
+          <p:cNvPr id="4" name="그림 3">
+            <a:extLst>
+              <a:ext uri="{FF2B5EF4-FFF2-40B4-BE49-F238E27FC236}">
+                <a16:creationId xmlns:a16="http://schemas.microsoft.com/office/drawing/2014/main" id="{79D05D81-A4FB-4356-A534-A021663B74D6}"/>
+              </a:ext>
+            </a:extLst>
+          </p:cNvPr>
+          <p:cNvPicPr>
+            <a:picLocks noChangeAspect="1"/>
+          </p:cNvPicPr>
+          <p:nvPr/>
+        </p:nvPicPr>
+        <p:blipFill>
+          <a:blip r:embed="rId4"/>
+          <a:stretch>
+            <a:fillRect/>
+          </a:stretch>
+        </p:blipFill>
+        <p:spPr>
+          <a:xfrm>
+            <a:off x="3810000" y="5614075"/>
+            <a:ext cx="7315200" cy="657225"/>
+          </a:xfrm>
+          <a:prstGeom prst="rect">
+            <a:avLst/>
+          </a:prstGeom>
+        </p:spPr>
+      </p:pic>
+    </p:spTree>
+    <p:extLst>
+      <p:ext uri="{BB962C8B-B14F-4D97-AF65-F5344CB8AC3E}">
+        <p14:creationId xmlns:p14="http://schemas.microsoft.com/office/powerpoint/2010/main" val="4077979358"/>
       </p:ext>
     </p:extLst>
   </p:cSld>
